--- a/99_Modelisation/01_SolidWorks/01_Solidworks_Figures.pptx
+++ b/99_Modelisation/01_SolidWorks/01_Solidworks_Figures.pptx
@@ -10,6 +10,8 @@
     <p:sldId id="258" r:id="rId4"/>
     <p:sldId id="259" r:id="rId5"/>
     <p:sldId id="260" r:id="rId6"/>
+    <p:sldId id="261" r:id="rId7"/>
+    <p:sldId id="262" r:id="rId8"/>
   </p:sldIdLst>
   <p:sldSz cx="12192000" cy="6858000"/>
   <p:notesSz cx="6858000" cy="9144000"/>
@@ -258,7 +260,7 @@
           <a:p>
             <a:fld id="{248EFF4C-7C6D-4BF6-9ED7-51E7590DD1FD}" type="datetimeFigureOut">
               <a:rPr lang="fr-FR" smtClean="0"/>
-              <a:t>10/05/2023</a:t>
+              <a:t>11/05/2023</a:t>
             </a:fld>
             <a:endParaRPr lang="fr-FR"/>
           </a:p>
@@ -428,7 +430,7 @@
           <a:p>
             <a:fld id="{248EFF4C-7C6D-4BF6-9ED7-51E7590DD1FD}" type="datetimeFigureOut">
               <a:rPr lang="fr-FR" smtClean="0"/>
-              <a:t>10/05/2023</a:t>
+              <a:t>11/05/2023</a:t>
             </a:fld>
             <a:endParaRPr lang="fr-FR"/>
           </a:p>
@@ -608,7 +610,7 @@
           <a:p>
             <a:fld id="{248EFF4C-7C6D-4BF6-9ED7-51E7590DD1FD}" type="datetimeFigureOut">
               <a:rPr lang="fr-FR" smtClean="0"/>
-              <a:t>10/05/2023</a:t>
+              <a:t>11/05/2023</a:t>
             </a:fld>
             <a:endParaRPr lang="fr-FR"/>
           </a:p>
@@ -778,7 +780,7 @@
           <a:p>
             <a:fld id="{248EFF4C-7C6D-4BF6-9ED7-51E7590DD1FD}" type="datetimeFigureOut">
               <a:rPr lang="fr-FR" smtClean="0"/>
-              <a:t>10/05/2023</a:t>
+              <a:t>11/05/2023</a:t>
             </a:fld>
             <a:endParaRPr lang="fr-FR"/>
           </a:p>
@@ -1024,7 +1026,7 @@
           <a:p>
             <a:fld id="{248EFF4C-7C6D-4BF6-9ED7-51E7590DD1FD}" type="datetimeFigureOut">
               <a:rPr lang="fr-FR" smtClean="0"/>
-              <a:t>10/05/2023</a:t>
+              <a:t>11/05/2023</a:t>
             </a:fld>
             <a:endParaRPr lang="fr-FR"/>
           </a:p>
@@ -1256,7 +1258,7 @@
           <a:p>
             <a:fld id="{248EFF4C-7C6D-4BF6-9ED7-51E7590DD1FD}" type="datetimeFigureOut">
               <a:rPr lang="fr-FR" smtClean="0"/>
-              <a:t>10/05/2023</a:t>
+              <a:t>11/05/2023</a:t>
             </a:fld>
             <a:endParaRPr lang="fr-FR"/>
           </a:p>
@@ -1623,7 +1625,7 @@
           <a:p>
             <a:fld id="{248EFF4C-7C6D-4BF6-9ED7-51E7590DD1FD}" type="datetimeFigureOut">
               <a:rPr lang="fr-FR" smtClean="0"/>
-              <a:t>10/05/2023</a:t>
+              <a:t>11/05/2023</a:t>
             </a:fld>
             <a:endParaRPr lang="fr-FR"/>
           </a:p>
@@ -1741,7 +1743,7 @@
           <a:p>
             <a:fld id="{248EFF4C-7C6D-4BF6-9ED7-51E7590DD1FD}" type="datetimeFigureOut">
               <a:rPr lang="fr-FR" smtClean="0"/>
-              <a:t>10/05/2023</a:t>
+              <a:t>11/05/2023</a:t>
             </a:fld>
             <a:endParaRPr lang="fr-FR"/>
           </a:p>
@@ -1836,7 +1838,7 @@
           <a:p>
             <a:fld id="{248EFF4C-7C6D-4BF6-9ED7-51E7590DD1FD}" type="datetimeFigureOut">
               <a:rPr lang="fr-FR" smtClean="0"/>
-              <a:t>10/05/2023</a:t>
+              <a:t>11/05/2023</a:t>
             </a:fld>
             <a:endParaRPr lang="fr-FR"/>
           </a:p>
@@ -2113,7 +2115,7 @@
           <a:p>
             <a:fld id="{248EFF4C-7C6D-4BF6-9ED7-51E7590DD1FD}" type="datetimeFigureOut">
               <a:rPr lang="fr-FR" smtClean="0"/>
-              <a:t>10/05/2023</a:t>
+              <a:t>11/05/2023</a:t>
             </a:fld>
             <a:endParaRPr lang="fr-FR"/>
           </a:p>
@@ -2366,7 +2368,7 @@
           <a:p>
             <a:fld id="{248EFF4C-7C6D-4BF6-9ED7-51E7590DD1FD}" type="datetimeFigureOut">
               <a:rPr lang="fr-FR" smtClean="0"/>
-              <a:t>10/05/2023</a:t>
+              <a:t>11/05/2023</a:t>
             </a:fld>
             <a:endParaRPr lang="fr-FR"/>
           </a:p>
@@ -2579,7 +2581,7 @@
           <a:p>
             <a:fld id="{248EFF4C-7C6D-4BF6-9ED7-51E7590DD1FD}" type="datetimeFigureOut">
               <a:rPr lang="fr-FR" smtClean="0"/>
-              <a:t>10/05/2023</a:t>
+              <a:t>11/05/2023</a:t>
             </a:fld>
             <a:endParaRPr lang="fr-FR"/>
           </a:p>
@@ -3920,6 +3922,848 @@
 </p:sld>
 </file>
 
+<file path=ppt/slides/slide6.xml><?xml version="1.0" encoding="utf-8"?>
+<p:sld xmlns:a="http://schemas.openxmlformats.org/drawingml/2006/main" xmlns:r="http://schemas.openxmlformats.org/officeDocument/2006/relationships" xmlns:p="http://schemas.openxmlformats.org/presentationml/2006/main">
+  <p:cSld>
+    <p:spTree>
+      <p:nvGrpSpPr>
+        <p:cNvPr id="1" name=""/>
+        <p:cNvGrpSpPr/>
+        <p:nvPr/>
+      </p:nvGrpSpPr>
+      <p:grpSpPr>
+        <a:xfrm>
+          <a:off x="0" y="0"/>
+          <a:ext cx="0" cy="0"/>
+          <a:chOff x="0" y="0"/>
+          <a:chExt cx="0" cy="0"/>
+        </a:xfrm>
+      </p:grpSpPr>
+      <p:pic>
+        <p:nvPicPr>
+          <p:cNvPr id="4" name="Image 3"/>
+          <p:cNvPicPr>
+            <a:picLocks noChangeAspect="1"/>
+          </p:cNvPicPr>
+          <p:nvPr/>
+        </p:nvPicPr>
+        <p:blipFill>
+          <a:blip r:embed="rId2"/>
+          <a:stretch>
+            <a:fillRect/>
+          </a:stretch>
+        </p:blipFill>
+        <p:spPr>
+          <a:xfrm>
+            <a:off x="1370940" y="4975924"/>
+            <a:ext cx="7116168" cy="314369"/>
+          </a:xfrm>
+          <a:prstGeom prst="rect">
+            <a:avLst/>
+          </a:prstGeom>
+        </p:spPr>
+      </p:pic>
+      <p:sp>
+        <p:nvSpPr>
+          <p:cNvPr id="5" name="Rectangle 4"/>
+          <p:cNvSpPr/>
+          <p:nvPr/>
+        </p:nvSpPr>
+        <p:spPr>
+          <a:xfrm>
+            <a:off x="4567586" y="5029200"/>
+            <a:ext cx="204439" cy="185489"/>
+          </a:xfrm>
+          <a:prstGeom prst="rect">
+            <a:avLst/>
+          </a:prstGeom>
+          <a:ln w="28575">
+            <a:solidFill>
+              <a:srgbClr val="FF0000"/>
+            </a:solidFill>
+            <a:prstDash val="sysDot"/>
+          </a:ln>
+        </p:spPr>
+        <p:style>
+          <a:lnRef idx="1">
+            <a:schemeClr val="accent1"/>
+          </a:lnRef>
+          <a:fillRef idx="0">
+            <a:schemeClr val="accent1"/>
+          </a:fillRef>
+          <a:effectRef idx="0">
+            <a:schemeClr val="accent1"/>
+          </a:effectRef>
+          <a:fontRef idx="minor">
+            <a:schemeClr val="tx1"/>
+          </a:fontRef>
+        </p:style>
+        <p:txBody>
+          <a:bodyPr rtlCol="0" anchor="ctr"/>
+          <a:lstStyle/>
+          <a:p>
+            <a:pPr algn="ctr"/>
+            <a:endParaRPr lang="fr-FR"/>
+          </a:p>
+        </p:txBody>
+      </p:sp>
+      <p:pic>
+        <p:nvPicPr>
+          <p:cNvPr id="6" name="Image 5"/>
+          <p:cNvPicPr>
+            <a:picLocks noChangeAspect="1"/>
+          </p:cNvPicPr>
+          <p:nvPr/>
+        </p:nvPicPr>
+        <p:blipFill>
+          <a:blip r:embed="rId3"/>
+          <a:stretch>
+            <a:fillRect/>
+          </a:stretch>
+        </p:blipFill>
+        <p:spPr>
+          <a:xfrm>
+            <a:off x="4257675" y="552164"/>
+            <a:ext cx="2448114" cy="3706651"/>
+          </a:xfrm>
+          <a:prstGeom prst="rect">
+            <a:avLst/>
+          </a:prstGeom>
+        </p:spPr>
+      </p:pic>
+      <p:sp>
+        <p:nvSpPr>
+          <p:cNvPr id="7" name="Rectangle 6"/>
+          <p:cNvSpPr/>
+          <p:nvPr/>
+        </p:nvSpPr>
+        <p:spPr>
+          <a:xfrm>
+            <a:off x="4929024" y="3619500"/>
+            <a:ext cx="1709901" cy="228600"/>
+          </a:xfrm>
+          <a:prstGeom prst="rect">
+            <a:avLst/>
+          </a:prstGeom>
+          <a:ln w="28575">
+            <a:solidFill>
+              <a:srgbClr val="FF0000"/>
+            </a:solidFill>
+            <a:prstDash val="sysDot"/>
+          </a:ln>
+        </p:spPr>
+        <p:style>
+          <a:lnRef idx="1">
+            <a:schemeClr val="accent1"/>
+          </a:lnRef>
+          <a:fillRef idx="0">
+            <a:schemeClr val="accent1"/>
+          </a:fillRef>
+          <a:effectRef idx="0">
+            <a:schemeClr val="accent1"/>
+          </a:effectRef>
+          <a:fontRef idx="minor">
+            <a:schemeClr val="tx1"/>
+          </a:fontRef>
+        </p:style>
+        <p:txBody>
+          <a:bodyPr rtlCol="0" anchor="ctr"/>
+          <a:lstStyle/>
+          <a:p>
+            <a:pPr algn="ctr"/>
+            <a:endParaRPr lang="fr-FR"/>
+          </a:p>
+        </p:txBody>
+      </p:sp>
+    </p:spTree>
+    <p:extLst>
+      <p:ext uri="{BB962C8B-B14F-4D97-AF65-F5344CB8AC3E}">
+        <p14:creationId xmlns:p14="http://schemas.microsoft.com/office/powerpoint/2010/main" val="2555235134"/>
+      </p:ext>
+    </p:extLst>
+  </p:cSld>
+  <p:clrMapOvr>
+    <a:masterClrMapping/>
+  </p:clrMapOvr>
+</p:sld>
+</file>
+
+<file path=ppt/slides/slide7.xml><?xml version="1.0" encoding="utf-8"?>
+<p:sld xmlns:a="http://schemas.openxmlformats.org/drawingml/2006/main" xmlns:r="http://schemas.openxmlformats.org/officeDocument/2006/relationships" xmlns:p="http://schemas.openxmlformats.org/presentationml/2006/main">
+  <p:cSld>
+    <p:spTree>
+      <p:nvGrpSpPr>
+        <p:cNvPr id="1" name=""/>
+        <p:cNvGrpSpPr/>
+        <p:nvPr/>
+      </p:nvGrpSpPr>
+      <p:grpSpPr>
+        <a:xfrm>
+          <a:off x="0" y="0"/>
+          <a:ext cx="0" cy="0"/>
+          <a:chOff x="0" y="0"/>
+          <a:chExt cx="0" cy="0"/>
+        </a:xfrm>
+      </p:grpSpPr>
+      <p:pic>
+        <p:nvPicPr>
+          <p:cNvPr id="4" name="Image 3"/>
+          <p:cNvPicPr/>
+          <p:nvPr/>
+        </p:nvPicPr>
+        <p:blipFill>
+          <a:blip r:embed="rId2"/>
+          <a:stretch>
+            <a:fillRect/>
+          </a:stretch>
+        </p:blipFill>
+        <p:spPr>
+          <a:xfrm>
+            <a:off x="3848099" y="1767282"/>
+            <a:ext cx="4495802" cy="3323436"/>
+          </a:xfrm>
+          <a:prstGeom prst="rect">
+            <a:avLst/>
+          </a:prstGeom>
+        </p:spPr>
+      </p:pic>
+      <p:sp>
+        <p:nvSpPr>
+          <p:cNvPr id="5" name="Rectangle 4"/>
+          <p:cNvSpPr/>
+          <p:nvPr/>
+        </p:nvSpPr>
+        <p:spPr>
+          <a:xfrm>
+            <a:off x="3979699" y="2440978"/>
+            <a:ext cx="3383126" cy="178398"/>
+          </a:xfrm>
+          <a:prstGeom prst="rect">
+            <a:avLst/>
+          </a:prstGeom>
+          <a:ln w="28575">
+            <a:solidFill>
+              <a:srgbClr val="FF0000"/>
+            </a:solidFill>
+            <a:prstDash val="sysDot"/>
+          </a:ln>
+        </p:spPr>
+        <p:style>
+          <a:lnRef idx="1">
+            <a:schemeClr val="accent1"/>
+          </a:lnRef>
+          <a:fillRef idx="0">
+            <a:schemeClr val="accent1"/>
+          </a:fillRef>
+          <a:effectRef idx="0">
+            <a:schemeClr val="accent1"/>
+          </a:effectRef>
+          <a:fontRef idx="minor">
+            <a:schemeClr val="tx1"/>
+          </a:fontRef>
+        </p:style>
+        <p:txBody>
+          <a:bodyPr rtlCol="0" anchor="ctr"/>
+          <a:lstStyle/>
+          <a:p>
+            <a:pPr algn="ctr"/>
+            <a:endParaRPr lang="fr-FR"/>
+          </a:p>
+        </p:txBody>
+      </p:sp>
+      <p:sp>
+        <p:nvSpPr>
+          <p:cNvPr id="6" name="Rectangle 5"/>
+          <p:cNvSpPr/>
+          <p:nvPr/>
+        </p:nvSpPr>
+        <p:spPr>
+          <a:xfrm>
+            <a:off x="4392450" y="3190874"/>
+            <a:ext cx="1398750" cy="235545"/>
+          </a:xfrm>
+          <a:prstGeom prst="rect">
+            <a:avLst/>
+          </a:prstGeom>
+          <a:ln w="28575">
+            <a:solidFill>
+              <a:srgbClr val="FF0000"/>
+            </a:solidFill>
+            <a:prstDash val="sysDot"/>
+          </a:ln>
+        </p:spPr>
+        <p:style>
+          <a:lnRef idx="1">
+            <a:schemeClr val="accent1"/>
+          </a:lnRef>
+          <a:fillRef idx="0">
+            <a:schemeClr val="accent1"/>
+          </a:fillRef>
+          <a:effectRef idx="0">
+            <a:schemeClr val="accent1"/>
+          </a:effectRef>
+          <a:fontRef idx="minor">
+            <a:schemeClr val="tx1"/>
+          </a:fontRef>
+        </p:style>
+        <p:txBody>
+          <a:bodyPr rtlCol="0" anchor="ctr"/>
+          <a:lstStyle/>
+          <a:p>
+            <a:pPr algn="ctr"/>
+            <a:endParaRPr lang="fr-FR"/>
+          </a:p>
+        </p:txBody>
+      </p:sp>
+      <p:sp>
+        <p:nvSpPr>
+          <p:cNvPr id="8" name="Rectangle 7"/>
+          <p:cNvSpPr/>
+          <p:nvPr/>
+        </p:nvSpPr>
+        <p:spPr>
+          <a:xfrm>
+            <a:off x="4386100" y="3644378"/>
+            <a:ext cx="408150" cy="175141"/>
+          </a:xfrm>
+          <a:prstGeom prst="rect">
+            <a:avLst/>
+          </a:prstGeom>
+          <a:ln w="28575">
+            <a:solidFill>
+              <a:srgbClr val="FF0000"/>
+            </a:solidFill>
+            <a:prstDash val="sysDot"/>
+          </a:ln>
+        </p:spPr>
+        <p:style>
+          <a:lnRef idx="1">
+            <a:schemeClr val="accent1"/>
+          </a:lnRef>
+          <a:fillRef idx="0">
+            <a:schemeClr val="accent1"/>
+          </a:fillRef>
+          <a:effectRef idx="0">
+            <a:schemeClr val="accent1"/>
+          </a:effectRef>
+          <a:fontRef idx="minor">
+            <a:schemeClr val="tx1"/>
+          </a:fontRef>
+        </p:style>
+        <p:txBody>
+          <a:bodyPr rtlCol="0" anchor="ctr"/>
+          <a:lstStyle/>
+          <a:p>
+            <a:pPr algn="ctr"/>
+            <a:endParaRPr lang="fr-FR"/>
+          </a:p>
+        </p:txBody>
+      </p:sp>
+      <p:sp>
+        <p:nvSpPr>
+          <p:cNvPr id="9" name="Rectangle 8"/>
+          <p:cNvSpPr/>
+          <p:nvPr/>
+        </p:nvSpPr>
+        <p:spPr>
+          <a:xfrm>
+            <a:off x="3979699" y="2619376"/>
+            <a:ext cx="3383126" cy="175131"/>
+          </a:xfrm>
+          <a:prstGeom prst="rect">
+            <a:avLst/>
+          </a:prstGeom>
+          <a:ln w="28575">
+            <a:solidFill>
+              <a:srgbClr val="FF0000"/>
+            </a:solidFill>
+            <a:prstDash val="sysDot"/>
+          </a:ln>
+        </p:spPr>
+        <p:style>
+          <a:lnRef idx="1">
+            <a:schemeClr val="accent1"/>
+          </a:lnRef>
+          <a:fillRef idx="0">
+            <a:schemeClr val="accent1"/>
+          </a:fillRef>
+          <a:effectRef idx="0">
+            <a:schemeClr val="accent1"/>
+          </a:effectRef>
+          <a:fontRef idx="minor">
+            <a:schemeClr val="tx1"/>
+          </a:fontRef>
+        </p:style>
+        <p:txBody>
+          <a:bodyPr rtlCol="0" anchor="ctr"/>
+          <a:lstStyle/>
+          <a:p>
+            <a:pPr algn="ctr"/>
+            <a:endParaRPr lang="fr-FR"/>
+          </a:p>
+        </p:txBody>
+      </p:sp>
+      <p:sp>
+        <p:nvSpPr>
+          <p:cNvPr id="10" name="Rectangle 9"/>
+          <p:cNvSpPr/>
+          <p:nvPr/>
+        </p:nvSpPr>
+        <p:spPr>
+          <a:xfrm>
+            <a:off x="4681537" y="4798067"/>
+            <a:ext cx="288925" cy="231359"/>
+          </a:xfrm>
+          <a:prstGeom prst="rect">
+            <a:avLst/>
+          </a:prstGeom>
+          <a:ln w="28575">
+            <a:solidFill>
+              <a:srgbClr val="FF0000"/>
+            </a:solidFill>
+            <a:prstDash val="sysDot"/>
+          </a:ln>
+        </p:spPr>
+        <p:style>
+          <a:lnRef idx="1">
+            <a:schemeClr val="accent1"/>
+          </a:lnRef>
+          <a:fillRef idx="0">
+            <a:schemeClr val="accent1"/>
+          </a:fillRef>
+          <a:effectRef idx="0">
+            <a:schemeClr val="accent1"/>
+          </a:effectRef>
+          <a:fontRef idx="minor">
+            <a:schemeClr val="tx1"/>
+          </a:fontRef>
+        </p:style>
+        <p:txBody>
+          <a:bodyPr rtlCol="0" anchor="ctr"/>
+          <a:lstStyle/>
+          <a:p>
+            <a:pPr algn="ctr"/>
+            <a:endParaRPr lang="fr-FR"/>
+          </a:p>
+        </p:txBody>
+      </p:sp>
+      <p:sp>
+        <p:nvSpPr>
+          <p:cNvPr id="11" name="Rectangle 10"/>
+          <p:cNvSpPr/>
+          <p:nvPr/>
+        </p:nvSpPr>
+        <p:spPr>
+          <a:xfrm>
+            <a:off x="5553075" y="4798066"/>
+            <a:ext cx="288925" cy="231359"/>
+          </a:xfrm>
+          <a:prstGeom prst="rect">
+            <a:avLst/>
+          </a:prstGeom>
+          <a:ln w="28575">
+            <a:solidFill>
+              <a:srgbClr val="FF0000"/>
+            </a:solidFill>
+            <a:prstDash val="sysDot"/>
+          </a:ln>
+        </p:spPr>
+        <p:style>
+          <a:lnRef idx="1">
+            <a:schemeClr val="accent1"/>
+          </a:lnRef>
+          <a:fillRef idx="0">
+            <a:schemeClr val="accent1"/>
+          </a:fillRef>
+          <a:effectRef idx="0">
+            <a:schemeClr val="accent1"/>
+          </a:effectRef>
+          <a:fontRef idx="minor">
+            <a:schemeClr val="tx1"/>
+          </a:fontRef>
+        </p:style>
+        <p:txBody>
+          <a:bodyPr rtlCol="0" anchor="ctr"/>
+          <a:lstStyle/>
+          <a:p>
+            <a:pPr algn="ctr"/>
+            <a:endParaRPr lang="fr-FR"/>
+          </a:p>
+        </p:txBody>
+      </p:sp>
+      <p:sp>
+        <p:nvSpPr>
+          <p:cNvPr id="12" name="Ellipse 11"/>
+          <p:cNvSpPr/>
+          <p:nvPr/>
+        </p:nvSpPr>
+        <p:spPr>
+          <a:xfrm>
+            <a:off x="3641231" y="2346708"/>
+            <a:ext cx="272668" cy="272668"/>
+          </a:xfrm>
+          <a:prstGeom prst="ellipse">
+            <a:avLst/>
+          </a:prstGeom>
+          <a:solidFill>
+            <a:schemeClr val="bg1"/>
+          </a:solidFill>
+          <a:ln w="19050">
+            <a:solidFill>
+              <a:srgbClr val="FF0000"/>
+            </a:solidFill>
+          </a:ln>
+        </p:spPr>
+        <p:style>
+          <a:lnRef idx="2">
+            <a:schemeClr val="accent1">
+              <a:shade val="50000"/>
+            </a:schemeClr>
+          </a:lnRef>
+          <a:fillRef idx="1">
+            <a:schemeClr val="accent1"/>
+          </a:fillRef>
+          <a:effectRef idx="0">
+            <a:schemeClr val="accent1"/>
+          </a:effectRef>
+          <a:fontRef idx="minor">
+            <a:schemeClr val="lt1"/>
+          </a:fontRef>
+        </p:style>
+        <p:txBody>
+          <a:bodyPr rtlCol="0" anchor="ctr"/>
+          <a:lstStyle/>
+          <a:p>
+            <a:pPr algn="ctr"/>
+            <a:r>
+              <a:rPr lang="fr-FR" sz="1400" b="1" dirty="0" smtClean="0">
+                <a:solidFill>
+                  <a:srgbClr val="FF0000"/>
+                </a:solidFill>
+              </a:rPr>
+              <a:t>1</a:t>
+            </a:r>
+            <a:endParaRPr lang="fr-FR" b="1" dirty="0">
+              <a:solidFill>
+                <a:srgbClr val="FF0000"/>
+              </a:solidFill>
+            </a:endParaRPr>
+          </a:p>
+        </p:txBody>
+      </p:sp>
+      <p:sp>
+        <p:nvSpPr>
+          <p:cNvPr id="13" name="Ellipse 12"/>
+          <p:cNvSpPr/>
+          <p:nvPr/>
+        </p:nvSpPr>
+        <p:spPr>
+          <a:xfrm>
+            <a:off x="3641231" y="2658173"/>
+            <a:ext cx="272668" cy="272668"/>
+          </a:xfrm>
+          <a:prstGeom prst="ellipse">
+            <a:avLst/>
+          </a:prstGeom>
+          <a:solidFill>
+            <a:schemeClr val="bg1"/>
+          </a:solidFill>
+          <a:ln w="19050">
+            <a:solidFill>
+              <a:srgbClr val="FF0000"/>
+            </a:solidFill>
+          </a:ln>
+        </p:spPr>
+        <p:style>
+          <a:lnRef idx="2">
+            <a:schemeClr val="accent1">
+              <a:shade val="50000"/>
+            </a:schemeClr>
+          </a:lnRef>
+          <a:fillRef idx="1">
+            <a:schemeClr val="accent1"/>
+          </a:fillRef>
+          <a:effectRef idx="0">
+            <a:schemeClr val="accent1"/>
+          </a:effectRef>
+          <a:fontRef idx="minor">
+            <a:schemeClr val="lt1"/>
+          </a:fontRef>
+        </p:style>
+        <p:txBody>
+          <a:bodyPr rtlCol="0" anchor="ctr"/>
+          <a:lstStyle/>
+          <a:p>
+            <a:pPr algn="ctr"/>
+            <a:r>
+              <a:rPr lang="fr-FR" sz="1400" b="1" dirty="0">
+                <a:solidFill>
+                  <a:srgbClr val="FF0000"/>
+                </a:solidFill>
+              </a:rPr>
+              <a:t>2</a:t>
+            </a:r>
+            <a:endParaRPr lang="fr-FR" b="1" dirty="0">
+              <a:solidFill>
+                <a:srgbClr val="FF0000"/>
+              </a:solidFill>
+            </a:endParaRPr>
+          </a:p>
+        </p:txBody>
+      </p:sp>
+      <p:sp>
+        <p:nvSpPr>
+          <p:cNvPr id="14" name="Ellipse 13"/>
+          <p:cNvSpPr/>
+          <p:nvPr/>
+        </p:nvSpPr>
+        <p:spPr>
+          <a:xfrm>
+            <a:off x="4016348" y="3172312"/>
+            <a:ext cx="272668" cy="272668"/>
+          </a:xfrm>
+          <a:prstGeom prst="ellipse">
+            <a:avLst/>
+          </a:prstGeom>
+          <a:solidFill>
+            <a:schemeClr val="bg1"/>
+          </a:solidFill>
+          <a:ln w="19050">
+            <a:solidFill>
+              <a:srgbClr val="FF0000"/>
+            </a:solidFill>
+          </a:ln>
+        </p:spPr>
+        <p:style>
+          <a:lnRef idx="2">
+            <a:schemeClr val="accent1">
+              <a:shade val="50000"/>
+            </a:schemeClr>
+          </a:lnRef>
+          <a:fillRef idx="1">
+            <a:schemeClr val="accent1"/>
+          </a:fillRef>
+          <a:effectRef idx="0">
+            <a:schemeClr val="accent1"/>
+          </a:effectRef>
+          <a:fontRef idx="minor">
+            <a:schemeClr val="lt1"/>
+          </a:fontRef>
+        </p:style>
+        <p:txBody>
+          <a:bodyPr rtlCol="0" anchor="ctr"/>
+          <a:lstStyle/>
+          <a:p>
+            <a:pPr algn="ctr"/>
+            <a:r>
+              <a:rPr lang="fr-FR" sz="1400" b="1" dirty="0" smtClean="0">
+                <a:solidFill>
+                  <a:srgbClr val="FF0000"/>
+                </a:solidFill>
+              </a:rPr>
+              <a:t>3</a:t>
+            </a:r>
+            <a:endParaRPr lang="fr-FR" b="1" dirty="0">
+              <a:solidFill>
+                <a:srgbClr val="FF0000"/>
+              </a:solidFill>
+            </a:endParaRPr>
+          </a:p>
+        </p:txBody>
+      </p:sp>
+      <p:sp>
+        <p:nvSpPr>
+          <p:cNvPr id="15" name="Ellipse 14"/>
+          <p:cNvSpPr/>
+          <p:nvPr/>
+        </p:nvSpPr>
+        <p:spPr>
+          <a:xfrm>
+            <a:off x="4016348" y="3595614"/>
+            <a:ext cx="272668" cy="272668"/>
+          </a:xfrm>
+          <a:prstGeom prst="ellipse">
+            <a:avLst/>
+          </a:prstGeom>
+          <a:solidFill>
+            <a:schemeClr val="bg1"/>
+          </a:solidFill>
+          <a:ln w="19050">
+            <a:solidFill>
+              <a:srgbClr val="FF0000"/>
+            </a:solidFill>
+          </a:ln>
+        </p:spPr>
+        <p:style>
+          <a:lnRef idx="2">
+            <a:schemeClr val="accent1">
+              <a:shade val="50000"/>
+            </a:schemeClr>
+          </a:lnRef>
+          <a:fillRef idx="1">
+            <a:schemeClr val="accent1"/>
+          </a:fillRef>
+          <a:effectRef idx="0">
+            <a:schemeClr val="accent1"/>
+          </a:effectRef>
+          <a:fontRef idx="minor">
+            <a:schemeClr val="lt1"/>
+          </a:fontRef>
+        </p:style>
+        <p:txBody>
+          <a:bodyPr rtlCol="0" anchor="ctr"/>
+          <a:lstStyle/>
+          <a:p>
+            <a:pPr algn="ctr"/>
+            <a:r>
+              <a:rPr lang="fr-FR" sz="1400" b="1" dirty="0" smtClean="0">
+                <a:solidFill>
+                  <a:srgbClr val="FF0000"/>
+                </a:solidFill>
+              </a:rPr>
+              <a:t>4</a:t>
+            </a:r>
+            <a:endParaRPr lang="fr-FR" b="1" dirty="0">
+              <a:solidFill>
+                <a:srgbClr val="FF0000"/>
+              </a:solidFill>
+            </a:endParaRPr>
+          </a:p>
+        </p:txBody>
+      </p:sp>
+      <p:sp>
+        <p:nvSpPr>
+          <p:cNvPr id="16" name="Ellipse 15"/>
+          <p:cNvSpPr/>
+          <p:nvPr/>
+        </p:nvSpPr>
+        <p:spPr>
+          <a:xfrm>
+            <a:off x="4350681" y="4769282"/>
+            <a:ext cx="272668" cy="272668"/>
+          </a:xfrm>
+          <a:prstGeom prst="ellipse">
+            <a:avLst/>
+          </a:prstGeom>
+          <a:solidFill>
+            <a:schemeClr val="bg1"/>
+          </a:solidFill>
+          <a:ln w="19050">
+            <a:solidFill>
+              <a:srgbClr val="FF0000"/>
+            </a:solidFill>
+          </a:ln>
+        </p:spPr>
+        <p:style>
+          <a:lnRef idx="2">
+            <a:schemeClr val="accent1">
+              <a:shade val="50000"/>
+            </a:schemeClr>
+          </a:lnRef>
+          <a:fillRef idx="1">
+            <a:schemeClr val="accent1"/>
+          </a:fillRef>
+          <a:effectRef idx="0">
+            <a:schemeClr val="accent1"/>
+          </a:effectRef>
+          <a:fontRef idx="minor">
+            <a:schemeClr val="lt1"/>
+          </a:fontRef>
+        </p:style>
+        <p:txBody>
+          <a:bodyPr rtlCol="0" anchor="ctr"/>
+          <a:lstStyle/>
+          <a:p>
+            <a:pPr algn="ctr"/>
+            <a:r>
+              <a:rPr lang="fr-FR" sz="1400" b="1" dirty="0" smtClean="0">
+                <a:solidFill>
+                  <a:srgbClr val="FF0000"/>
+                </a:solidFill>
+              </a:rPr>
+              <a:t>5</a:t>
+            </a:r>
+            <a:endParaRPr lang="fr-FR" b="1" dirty="0">
+              <a:solidFill>
+                <a:srgbClr val="FF0000"/>
+              </a:solidFill>
+            </a:endParaRPr>
+          </a:p>
+        </p:txBody>
+      </p:sp>
+      <p:sp>
+        <p:nvSpPr>
+          <p:cNvPr id="17" name="Ellipse 16"/>
+          <p:cNvSpPr/>
+          <p:nvPr/>
+        </p:nvSpPr>
+        <p:spPr>
+          <a:xfrm>
+            <a:off x="5900188" y="4769282"/>
+            <a:ext cx="272668" cy="272668"/>
+          </a:xfrm>
+          <a:prstGeom prst="ellipse">
+            <a:avLst/>
+          </a:prstGeom>
+          <a:solidFill>
+            <a:schemeClr val="bg1"/>
+          </a:solidFill>
+          <a:ln w="19050">
+            <a:solidFill>
+              <a:srgbClr val="FF0000"/>
+            </a:solidFill>
+          </a:ln>
+        </p:spPr>
+        <p:style>
+          <a:lnRef idx="2">
+            <a:schemeClr val="accent1">
+              <a:shade val="50000"/>
+            </a:schemeClr>
+          </a:lnRef>
+          <a:fillRef idx="1">
+            <a:schemeClr val="accent1"/>
+          </a:fillRef>
+          <a:effectRef idx="0">
+            <a:schemeClr val="accent1"/>
+          </a:effectRef>
+          <a:fontRef idx="minor">
+            <a:schemeClr val="lt1"/>
+          </a:fontRef>
+        </p:style>
+        <p:txBody>
+          <a:bodyPr rtlCol="0" anchor="ctr"/>
+          <a:lstStyle/>
+          <a:p>
+            <a:pPr algn="ctr"/>
+            <a:r>
+              <a:rPr lang="fr-FR" sz="1400" b="1" dirty="0">
+                <a:solidFill>
+                  <a:srgbClr val="FF0000"/>
+                </a:solidFill>
+              </a:rPr>
+              <a:t>6</a:t>
+            </a:r>
+            <a:endParaRPr lang="fr-FR" b="1" dirty="0">
+              <a:solidFill>
+                <a:srgbClr val="FF0000"/>
+              </a:solidFill>
+            </a:endParaRPr>
+          </a:p>
+        </p:txBody>
+      </p:sp>
+    </p:spTree>
+    <p:extLst>
+      <p:ext uri="{BB962C8B-B14F-4D97-AF65-F5344CB8AC3E}">
+        <p14:creationId xmlns:p14="http://schemas.microsoft.com/office/powerpoint/2010/main" val="2319309746"/>
+      </p:ext>
+    </p:extLst>
+  </p:cSld>
+  <p:clrMapOvr>
+    <a:masterClrMapping/>
+  </p:clrMapOvr>
+</p:sld>
+</file>
+
 <file path=ppt/theme/theme1.xml><?xml version="1.0" encoding="utf-8"?>
 <a:theme xmlns:a="http://schemas.openxmlformats.org/drawingml/2006/main" name="Thème Office">
   <a:themeElements>
